--- a/Documentation/smalltalk.pptx
+++ b/Documentation/smalltalk.pptx
@@ -9,13 +9,13 @@
     <p:sldId id="257" r:id="rId3"/>
     <p:sldId id="259" r:id="rId4"/>
     <p:sldId id="260" r:id="rId5"/>
-    <p:sldId id="258" r:id="rId6"/>
-    <p:sldId id="261" r:id="rId7"/>
-    <p:sldId id="262" r:id="rId8"/>
-    <p:sldId id="263" r:id="rId9"/>
-    <p:sldId id="264" r:id="rId10"/>
-    <p:sldId id="265" r:id="rId11"/>
-    <p:sldId id="266" r:id="rId12"/>
+    <p:sldId id="269" r:id="rId6"/>
+    <p:sldId id="262" r:id="rId7"/>
+    <p:sldId id="263" r:id="rId8"/>
+    <p:sldId id="264" r:id="rId9"/>
+    <p:sldId id="265" r:id="rId10"/>
+    <p:sldId id="271" r:id="rId11"/>
+    <p:sldId id="270" r:id="rId12"/>
     <p:sldId id="267" r:id="rId13"/>
     <p:sldId id="268" r:id="rId14"/>
   </p:sldIdLst>
@@ -116,6 +116,11 @@
       </a:defRPr>
     </a:lvl9pPr>
   </p:defaultTextStyle>
+  <p:extLst>
+    <p:ext uri="{EFAFB233-063F-42B5-8137-9DF3F51BA10A}">
+      <p15:sldGuideLst xmlns:p15="http://schemas.microsoft.com/office/powerpoint/2012/main"/>
+    </p:ext>
+  </p:extLst>
 </p:presentation>
 </file>
 
@@ -290,7 +295,7 @@
           <a:p>
             <a:fld id="{48A87A34-81AB-432B-8DAE-1953F412C126}" type="datetimeFigureOut">
               <a:rPr lang="en-US" dirty="0"/>
-              <a:t>7/3/2016</a:t>
+              <a:t>7/4/2016</a:t>
             </a:fld>
             <a:endParaRPr lang="en-US" dirty="0"/>
           </a:p>
@@ -600,7 +605,7 @@
           <a:p>
             <a:fld id="{48A87A34-81AB-432B-8DAE-1953F412C126}" type="datetimeFigureOut">
               <a:rPr lang="en-US" dirty="0"/>
-              <a:t>7/3/2016</a:t>
+              <a:t>7/4/2016</a:t>
             </a:fld>
             <a:endParaRPr lang="en-US" dirty="0"/>
           </a:p>
@@ -817,7 +822,7 @@
           <a:p>
             <a:fld id="{48A87A34-81AB-432B-8DAE-1953F412C126}" type="datetimeFigureOut">
               <a:rPr lang="en-US" dirty="0"/>
-              <a:t>7/3/2016</a:t>
+              <a:t>7/4/2016</a:t>
             </a:fld>
             <a:endParaRPr lang="en-US" dirty="0"/>
           </a:p>
@@ -1103,7 +1108,7 @@
           <a:p>
             <a:fld id="{48A87A34-81AB-432B-8DAE-1953F412C126}" type="datetimeFigureOut">
               <a:rPr lang="en-US" dirty="0"/>
-              <a:t>7/3/2016</a:t>
+              <a:t>7/4/2016</a:t>
             </a:fld>
             <a:endParaRPr lang="en-US" dirty="0"/>
           </a:p>
@@ -1552,7 +1557,7 @@
           <a:p>
             <a:fld id="{48A87A34-81AB-432B-8DAE-1953F412C126}" type="datetimeFigureOut">
               <a:rPr lang="en-US" dirty="0"/>
-              <a:t>7/3/2016</a:t>
+              <a:t>7/4/2016</a:t>
             </a:fld>
             <a:endParaRPr lang="en-US" dirty="0"/>
           </a:p>
@@ -2123,7 +2128,7 @@
           <a:p>
             <a:fld id="{48A87A34-81AB-432B-8DAE-1953F412C126}" type="datetimeFigureOut">
               <a:rPr lang="en-US" dirty="0"/>
-              <a:t>7/3/2016</a:t>
+              <a:t>7/4/2016</a:t>
             </a:fld>
             <a:endParaRPr lang="en-US" dirty="0"/>
           </a:p>
@@ -2979,7 +2984,7 @@
           <a:p>
             <a:fld id="{48A87A34-81AB-432B-8DAE-1953F412C126}" type="datetimeFigureOut">
               <a:rPr lang="en-US" dirty="0"/>
-              <a:t>7/3/2016</a:t>
+              <a:t>7/4/2016</a:t>
             </a:fld>
             <a:endParaRPr lang="en-US" dirty="0"/>
           </a:p>
@@ -3179,7 +3184,7 @@
           <a:p>
             <a:fld id="{48A87A34-81AB-432B-8DAE-1953F412C126}" type="datetimeFigureOut">
               <a:rPr lang="en-US" dirty="0"/>
-              <a:t>7/3/2016</a:t>
+              <a:t>7/4/2016</a:t>
             </a:fld>
             <a:endParaRPr lang="en-US" dirty="0"/>
           </a:p>
@@ -3388,7 +3393,7 @@
           <a:p>
             <a:fld id="{48A87A34-81AB-432B-8DAE-1953F412C126}" type="datetimeFigureOut">
               <a:rPr lang="en-US" dirty="0"/>
-              <a:t>7/3/2016</a:t>
+              <a:t>7/4/2016</a:t>
             </a:fld>
             <a:endParaRPr lang="en-US" dirty="0"/>
           </a:p>
@@ -3588,7 +3593,7 @@
           <a:p>
             <a:fld id="{48A87A34-81AB-432B-8DAE-1953F412C126}" type="datetimeFigureOut">
               <a:rPr lang="en-US" dirty="0"/>
-              <a:t>7/3/2016</a:t>
+              <a:t>7/4/2016</a:t>
             </a:fld>
             <a:endParaRPr lang="en-US" dirty="0"/>
           </a:p>
@@ -3863,7 +3868,7 @@
           <a:p>
             <a:fld id="{48A87A34-81AB-432B-8DAE-1953F412C126}" type="datetimeFigureOut">
               <a:rPr lang="en-US" dirty="0"/>
-              <a:t>7/3/2016</a:t>
+              <a:t>7/4/2016</a:t>
             </a:fld>
             <a:endParaRPr lang="en-US" dirty="0"/>
           </a:p>
@@ -4125,7 +4130,7 @@
           <a:p>
             <a:fld id="{48A87A34-81AB-432B-8DAE-1953F412C126}" type="datetimeFigureOut">
               <a:rPr lang="en-US" dirty="0"/>
-              <a:t>7/3/2016</a:t>
+              <a:t>7/4/2016</a:t>
             </a:fld>
             <a:endParaRPr lang="en-US" dirty="0"/>
           </a:p>
@@ -4535,7 +4540,7 @@
           <a:p>
             <a:fld id="{48A87A34-81AB-432B-8DAE-1953F412C126}" type="datetimeFigureOut">
               <a:rPr lang="en-US" dirty="0"/>
-              <a:t>7/3/2016</a:t>
+              <a:t>7/4/2016</a:t>
             </a:fld>
             <a:endParaRPr lang="en-US" dirty="0"/>
           </a:p>
@@ -4678,7 +4683,7 @@
           <a:p>
             <a:fld id="{48A87A34-81AB-432B-8DAE-1953F412C126}" type="datetimeFigureOut">
               <a:rPr lang="en-US" dirty="0"/>
-              <a:t>7/3/2016</a:t>
+              <a:t>7/4/2016</a:t>
             </a:fld>
             <a:endParaRPr lang="en-US" dirty="0"/>
           </a:p>
@@ -4798,7 +4803,7 @@
           <a:p>
             <a:fld id="{48A87A34-81AB-432B-8DAE-1953F412C126}" type="datetimeFigureOut">
               <a:rPr lang="en-US" dirty="0"/>
-              <a:t>7/3/2016</a:t>
+              <a:t>7/4/2016</a:t>
             </a:fld>
             <a:endParaRPr lang="en-US" dirty="0"/>
           </a:p>
@@ -5072,7 +5077,7 @@
           <a:p>
             <a:fld id="{48A87A34-81AB-432B-8DAE-1953F412C126}" type="datetimeFigureOut">
               <a:rPr lang="en-US" dirty="0"/>
-              <a:t>7/3/2016</a:t>
+              <a:t>7/4/2016</a:t>
             </a:fld>
             <a:endParaRPr lang="en-US" dirty="0"/>
           </a:p>
@@ -5382,7 +5387,7 @@
           <a:p>
             <a:fld id="{48A87A34-81AB-432B-8DAE-1953F412C126}" type="datetimeFigureOut">
               <a:rPr lang="en-US" dirty="0"/>
-              <a:t>7/3/2016</a:t>
+              <a:t>7/4/2016</a:t>
             </a:fld>
             <a:endParaRPr lang="en-US" dirty="0"/>
           </a:p>
@@ -5631,7 +5636,7 @@
             <a:fld id="{48A87A34-81AB-432B-8DAE-1953F412C126}" type="datetimeFigureOut">
               <a:rPr lang="en-US" dirty="0"/>
               <a:pPr/>
-              <a:t>7/3/2016</a:t>
+              <a:t>7/4/2016</a:t>
             </a:fld>
             <a:endParaRPr lang="en-US" dirty="0"/>
           </a:p>
@@ -6103,9 +6108,130 @@
           </a:p>
         </p:txBody>
       </p:sp>
+      <p:sp>
+        <p:nvSpPr>
+          <p:cNvPr id="10" name="TextBox 9"/>
+          <p:cNvSpPr txBox="1"/>
+          <p:nvPr/>
+        </p:nvSpPr>
+        <p:spPr>
+          <a:xfrm>
+            <a:off x="1532525" y="3487858"/>
+            <a:ext cx="811369" cy="373487"/>
+          </a:xfrm>
+          <a:prstGeom prst="rect">
+            <a:avLst/>
+          </a:prstGeom>
+          <a:noFill/>
+        </p:spPr>
+        <p:txBody>
+          <a:bodyPr wrap="square" rtlCol="0">
+            <a:spAutoFit/>
+          </a:bodyPr>
+          <a:lstStyle/>
+          <a:p>
+            <a:r>
+              <a:rPr lang="en-ZA" dirty="0"/>
+              <a:t>Daniel</a:t>
+            </a:r>
+          </a:p>
+        </p:txBody>
+      </p:sp>
+      <p:sp>
+        <p:nvSpPr>
+          <p:cNvPr id="11" name="TextBox 10"/>
+          <p:cNvSpPr txBox="1"/>
+          <p:nvPr/>
+        </p:nvSpPr>
+        <p:spPr>
+          <a:xfrm>
+            <a:off x="5151991" y="5103580"/>
+            <a:ext cx="1761232" cy="369332"/>
+          </a:xfrm>
+          <a:prstGeom prst="rect">
+            <a:avLst/>
+          </a:prstGeom>
+          <a:noFill/>
+        </p:spPr>
+        <p:txBody>
+          <a:bodyPr wrap="square" rtlCol="0">
+            <a:spAutoFit/>
+          </a:bodyPr>
+          <a:lstStyle/>
+          <a:p>
+            <a:r>
+              <a:rPr lang="en-ZA" dirty="0"/>
+              <a:t>CAPTAIN: </a:t>
+            </a:r>
+            <a:r>
+              <a:rPr lang="en-ZA" dirty="0" err="1"/>
+              <a:t>Abrie</a:t>
+            </a:r>
+            <a:endParaRPr lang="en-ZA" dirty="0"/>
+          </a:p>
+        </p:txBody>
+      </p:sp>
+      <p:sp>
+        <p:nvSpPr>
+          <p:cNvPr id="12" name="TextBox 11"/>
+          <p:cNvSpPr txBox="1"/>
+          <p:nvPr/>
+        </p:nvSpPr>
+        <p:spPr>
+          <a:xfrm>
+            <a:off x="10158766" y="1701894"/>
+            <a:ext cx="914487" cy="373487"/>
+          </a:xfrm>
+          <a:prstGeom prst="rect">
+            <a:avLst/>
+          </a:prstGeom>
+          <a:noFill/>
+        </p:spPr>
+        <p:txBody>
+          <a:bodyPr wrap="square" rtlCol="0">
+            <a:spAutoFit/>
+          </a:bodyPr>
+          <a:lstStyle/>
+          <a:p>
+            <a:r>
+              <a:rPr lang="en-ZA" dirty="0"/>
+              <a:t>Michael</a:t>
+            </a:r>
+          </a:p>
+        </p:txBody>
+      </p:sp>
+      <p:sp>
+        <p:nvSpPr>
+          <p:cNvPr id="13" name="TextBox 12"/>
+          <p:cNvSpPr txBox="1"/>
+          <p:nvPr/>
+        </p:nvSpPr>
+        <p:spPr>
+          <a:xfrm>
+            <a:off x="1433304" y="6433527"/>
+            <a:ext cx="324309" cy="373487"/>
+          </a:xfrm>
+          <a:prstGeom prst="rect">
+            <a:avLst/>
+          </a:prstGeom>
+          <a:noFill/>
+        </p:spPr>
+        <p:txBody>
+          <a:bodyPr wrap="square" rtlCol="0">
+            <a:spAutoFit/>
+          </a:bodyPr>
+          <a:lstStyle/>
+          <a:p>
+            <a:r>
+              <a:rPr lang="en-ZA" dirty="0"/>
+              <a:t>Q</a:t>
+            </a:r>
+          </a:p>
+        </p:txBody>
+      </p:sp>
       <p:pic>
         <p:nvPicPr>
-          <p:cNvPr id="5" name="Picture 4"/>
+          <p:cNvPr id="3" name="Picture 2"/>
           <p:cNvPicPr>
             <a:picLocks noChangeAspect="1"/>
           </p:cNvPicPr>
@@ -6119,8 +6245,8 @@
         </p:blipFill>
         <p:spPr>
           <a:xfrm>
-            <a:off x="1012191" y="1764539"/>
-            <a:ext cx="1852038" cy="1652588"/>
+            <a:off x="263877" y="4634611"/>
+            <a:ext cx="2409826" cy="1802951"/>
           </a:xfrm>
           <a:prstGeom prst="rect">
             <a:avLst/>
@@ -6129,22 +6255,21 @@
       </p:pic>
       <p:pic>
         <p:nvPicPr>
-          <p:cNvPr id="6" name="Picture 5"/>
+          <p:cNvPr id="4" name="Picture 3"/>
           <p:cNvPicPr>
             <a:picLocks noChangeAspect="1"/>
           </p:cNvPicPr>
           <p:nvPr/>
         </p:nvPicPr>
-        <p:blipFill>
-          <a:blip r:embed="rId2"/>
-          <a:stretch>
-            <a:fillRect/>
-          </a:stretch>
+        <p:blipFill rotWithShape="1">
+          <a:blip r:embed="rId3"/>
+          <a:srcRect t="21375" b="17645"/>
+          <a:stretch/>
         </p:blipFill>
         <p:spPr>
           <a:xfrm>
-            <a:off x="4625461" y="1507064"/>
-            <a:ext cx="3095625" cy="2762250"/>
+            <a:off x="808234" y="1160557"/>
+            <a:ext cx="2146801" cy="2327301"/>
           </a:xfrm>
           <a:prstGeom prst="rect">
             <a:avLst/>
@@ -6153,22 +6278,21 @@
       </p:pic>
       <p:pic>
         <p:nvPicPr>
-          <p:cNvPr id="7" name="Picture 6"/>
+          <p:cNvPr id="9" name="Picture 8"/>
           <p:cNvPicPr>
             <a:picLocks noChangeAspect="1"/>
           </p:cNvPicPr>
           <p:nvPr/>
         </p:nvPicPr>
-        <p:blipFill>
-          <a:blip r:embed="rId2"/>
-          <a:stretch>
-            <a:fillRect/>
-          </a:stretch>
+        <p:blipFill rotWithShape="1">
+          <a:blip r:embed="rId4"/>
+          <a:srcRect l="30835" t="10031" r="26880" b="26745"/>
+          <a:stretch/>
         </p:blipFill>
         <p:spPr>
           <a:xfrm>
-            <a:off x="9391512" y="1079913"/>
-            <a:ext cx="1534508" cy="1369253"/>
+            <a:off x="9391513" y="2075381"/>
+            <a:ext cx="2358850" cy="3526929"/>
           </a:xfrm>
           <a:prstGeom prst="rect">
             <a:avLst/>
@@ -6177,149 +6301,27 @@
       </p:pic>
       <p:pic>
         <p:nvPicPr>
-          <p:cNvPr id="8" name="Picture 7"/>
+          <p:cNvPr id="14" name="Picture 13"/>
           <p:cNvPicPr>
             <a:picLocks noChangeAspect="1"/>
           </p:cNvPicPr>
           <p:nvPr/>
         </p:nvPicPr>
-        <p:blipFill>
-          <a:blip r:embed="rId2"/>
-          <a:stretch>
-            <a:fillRect/>
-          </a:stretch>
+        <p:blipFill rotWithShape="1">
+          <a:blip r:embed="rId5"/>
+          <a:srcRect b="42336"/>
+          <a:stretch/>
         </p:blipFill>
         <p:spPr>
           <a:xfrm>
-            <a:off x="2019585" y="4172755"/>
-            <a:ext cx="2124239" cy="1895475"/>
+            <a:off x="3984732" y="1507064"/>
+            <a:ext cx="4095750" cy="3542675"/>
           </a:xfrm>
           <a:prstGeom prst="rect">
             <a:avLst/>
           </a:prstGeom>
         </p:spPr>
       </p:pic>
-      <p:sp>
-        <p:nvSpPr>
-          <p:cNvPr id="10" name="TextBox 9"/>
-          <p:cNvSpPr txBox="1"/>
-          <p:nvPr/>
-        </p:nvSpPr>
-        <p:spPr>
-          <a:xfrm>
-            <a:off x="1532525" y="3487858"/>
-            <a:ext cx="811369" cy="373487"/>
-          </a:xfrm>
-          <a:prstGeom prst="rect">
-            <a:avLst/>
-          </a:prstGeom>
-          <a:noFill/>
-        </p:spPr>
-        <p:txBody>
-          <a:bodyPr wrap="square" rtlCol="0">
-            <a:spAutoFit/>
-          </a:bodyPr>
-          <a:lstStyle/>
-          <a:p>
-            <a:r>
-              <a:rPr lang="en-ZA" dirty="0"/>
-              <a:t>Daniel</a:t>
-            </a:r>
-          </a:p>
-        </p:txBody>
-      </p:sp>
-      <p:sp>
-        <p:nvSpPr>
-          <p:cNvPr id="11" name="TextBox 10"/>
-          <p:cNvSpPr txBox="1"/>
-          <p:nvPr/>
-        </p:nvSpPr>
-        <p:spPr>
-          <a:xfrm>
-            <a:off x="5292657" y="4269314"/>
-            <a:ext cx="1761232" cy="369332"/>
-          </a:xfrm>
-          <a:prstGeom prst="rect">
-            <a:avLst/>
-          </a:prstGeom>
-          <a:noFill/>
-        </p:spPr>
-        <p:txBody>
-          <a:bodyPr wrap="square" rtlCol="0">
-            <a:spAutoFit/>
-          </a:bodyPr>
-          <a:lstStyle/>
-          <a:p>
-            <a:r>
-              <a:rPr lang="en-ZA" dirty="0"/>
-              <a:t>Captain: </a:t>
-            </a:r>
-            <a:r>
-              <a:rPr lang="en-ZA" dirty="0" err="1"/>
-              <a:t>Arbrie</a:t>
-            </a:r>
-            <a:endParaRPr lang="en-ZA" dirty="0"/>
-          </a:p>
-        </p:txBody>
-      </p:sp>
-      <p:sp>
-        <p:nvSpPr>
-          <p:cNvPr id="12" name="TextBox 11"/>
-          <p:cNvSpPr txBox="1"/>
-          <p:nvPr/>
-        </p:nvSpPr>
-        <p:spPr>
-          <a:xfrm>
-            <a:off x="9701522" y="2438467"/>
-            <a:ext cx="914487" cy="373487"/>
-          </a:xfrm>
-          <a:prstGeom prst="rect">
-            <a:avLst/>
-          </a:prstGeom>
-          <a:noFill/>
-        </p:spPr>
-        <p:txBody>
-          <a:bodyPr wrap="square" rtlCol="0">
-            <a:spAutoFit/>
-          </a:bodyPr>
-          <a:lstStyle/>
-          <a:p>
-            <a:r>
-              <a:rPr lang="en-ZA" dirty="0"/>
-              <a:t>Michael</a:t>
-            </a:r>
-          </a:p>
-        </p:txBody>
-      </p:sp>
-      <p:sp>
-        <p:nvSpPr>
-          <p:cNvPr id="13" name="TextBox 12"/>
-          <p:cNvSpPr txBox="1"/>
-          <p:nvPr/>
-        </p:nvSpPr>
-        <p:spPr>
-          <a:xfrm>
-            <a:off x="2919549" y="6068230"/>
-            <a:ext cx="324309" cy="373487"/>
-          </a:xfrm>
-          <a:prstGeom prst="rect">
-            <a:avLst/>
-          </a:prstGeom>
-          <a:noFill/>
-        </p:spPr>
-        <p:txBody>
-          <a:bodyPr wrap="square" rtlCol="0">
-            <a:spAutoFit/>
-          </a:bodyPr>
-          <a:lstStyle/>
-          <a:p>
-            <a:r>
-              <a:rPr lang="en-ZA" dirty="0"/>
-              <a:t>Q</a:t>
-            </a:r>
-          </a:p>
-        </p:txBody>
-      </p:sp>
     </p:spTree>
     <p:extLst>
       <p:ext uri="{BB962C8B-B14F-4D97-AF65-F5344CB8AC3E}">
@@ -6360,72 +6362,51 @@
             <p:ph type="title"/>
           </p:nvPr>
         </p:nvSpPr>
-        <p:spPr/>
-        <p:txBody>
-          <a:bodyPr/>
-          <a:lstStyle/>
-          <a:p>
-            <a:r>
-              <a:rPr lang="en-ZA" dirty="0"/>
-              <a:t>Creating questions</a:t>
-            </a:r>
-          </a:p>
-        </p:txBody>
-      </p:sp>
-      <p:sp>
-        <p:nvSpPr>
-          <p:cNvPr id="3" name="Content Placeholder 2"/>
-          <p:cNvSpPr>
-            <a:spLocks noGrp="1"/>
-          </p:cNvSpPr>
-          <p:nvPr>
-            <p:ph sz="quarter" idx="13"/>
-          </p:nvPr>
-        </p:nvSpPr>
-        <p:spPr/>
-        <p:txBody>
-          <a:bodyPr/>
-          <a:lstStyle/>
-          <a:p>
-            <a:r>
-              <a:rPr lang="en-ZA" dirty="0"/>
-              <a:t>Considerations</a:t>
-            </a:r>
-          </a:p>
-          <a:p>
-            <a:pPr lvl="1"/>
-            <a:r>
-              <a:rPr lang="en-ZA" dirty="0"/>
-              <a:t>What?</a:t>
-            </a:r>
-          </a:p>
-          <a:p>
-            <a:pPr lvl="1"/>
-            <a:r>
-              <a:rPr lang="en-ZA" dirty="0"/>
-              <a:t>How?</a:t>
-            </a:r>
-          </a:p>
-          <a:p>
-            <a:pPr lvl="1"/>
-            <a:r>
-              <a:rPr lang="en-ZA" dirty="0"/>
-              <a:t>types of learners</a:t>
-            </a:r>
-          </a:p>
-          <a:p>
-            <a:pPr lvl="1"/>
-            <a:r>
-              <a:rPr lang="en-ZA" dirty="0"/>
-              <a:t>Question formats</a:t>
-            </a:r>
-          </a:p>
-        </p:txBody>
-      </p:sp>
+        <p:spPr>
+          <a:xfrm>
+            <a:off x="2197144" y="0"/>
+            <a:ext cx="2872162" cy="857357"/>
+          </a:xfrm>
+        </p:spPr>
+        <p:txBody>
+          <a:bodyPr/>
+          <a:lstStyle/>
+          <a:p>
+            <a:r>
+              <a:rPr lang="en-ZA" dirty="0"/>
+              <a:t>design</a:t>
+            </a:r>
+          </a:p>
+        </p:txBody>
+      </p:sp>
+      <p:pic>
+        <p:nvPicPr>
+          <p:cNvPr id="6" name="Picture 5"/>
+          <p:cNvPicPr>
+            <a:picLocks noChangeAspect="1"/>
+          </p:cNvPicPr>
+          <p:nvPr/>
+        </p:nvPicPr>
+        <p:blipFill>
+          <a:blip r:embed="rId2"/>
+          <a:stretch>
+            <a:fillRect/>
+          </a:stretch>
+        </p:blipFill>
+        <p:spPr>
+          <a:xfrm>
+            <a:off x="3752845" y="112295"/>
+            <a:ext cx="4686310" cy="6541682"/>
+          </a:xfrm>
+          <a:prstGeom prst="rect">
+            <a:avLst/>
+          </a:prstGeom>
+        </p:spPr>
+      </p:pic>
     </p:spTree>
     <p:extLst>
       <p:ext uri="{BB962C8B-B14F-4D97-AF65-F5344CB8AC3E}">
-        <p14:creationId xmlns:p14="http://schemas.microsoft.com/office/powerpoint/2010/main" val="2975482959"/>
+        <p14:creationId xmlns:p14="http://schemas.microsoft.com/office/powerpoint/2010/main" val="3705174659"/>
       </p:ext>
     </p:extLst>
   </p:cSld>
@@ -6469,7 +6450,7 @@
           <a:p>
             <a:r>
               <a:rPr lang="en-ZA" dirty="0"/>
-              <a:t>development</a:t>
+              <a:t>Platform selection</a:t>
             </a:r>
           </a:p>
         </p:txBody>
@@ -6491,21 +6472,14 @@
           <a:p>
             <a:r>
               <a:rPr lang="en-ZA" dirty="0"/>
-              <a:t>Tools used</a:t>
+              <a:t>Platform chosen</a:t>
             </a:r>
           </a:p>
           <a:p>
             <a:pPr lvl="1"/>
             <a:r>
               <a:rPr lang="en-ZA" dirty="0"/>
-              <a:t>Version control</a:t>
-            </a:r>
-          </a:p>
-          <a:p>
-            <a:pPr lvl="1"/>
-            <a:r>
-              <a:rPr lang="en-ZA" dirty="0"/>
-              <a:t>IDE – by developer preference</a:t>
+              <a:t>HTML, CSS, JavaScript</a:t>
             </a:r>
           </a:p>
           <a:p>
@@ -6515,33 +6489,36 @@
           <a:p>
             <a:r>
               <a:rPr lang="en-ZA" dirty="0"/>
-              <a:t>The </a:t>
-            </a:r>
-            <a:r>
-              <a:rPr lang="en-ZA" dirty="0" err="1"/>
-              <a:t>uml</a:t>
-            </a:r>
-            <a:r>
-              <a:rPr lang="en-ZA" dirty="0"/>
-              <a:t> diagram</a:t>
+              <a:t>Reasons for selection</a:t>
             </a:r>
           </a:p>
           <a:p>
             <a:pPr lvl="1"/>
             <a:r>
-              <a:rPr lang="en-ZA" dirty="0">
-                <a:hlinkClick r:id="rId2" action="ppaction://hlinkfile"/>
-              </a:rPr>
-              <a:t>UML</a:t>
-            </a:r>
-            <a:endParaRPr lang="en-ZA" dirty="0"/>
+              <a:rPr lang="en-ZA" dirty="0"/>
+              <a:t>WEB ACCESSIBILITY</a:t>
+            </a:r>
+          </a:p>
+          <a:p>
+            <a:pPr lvl="1"/>
+            <a:r>
+              <a:rPr lang="en-ZA" dirty="0"/>
+              <a:t>To learn something new</a:t>
+            </a:r>
+          </a:p>
+          <a:p>
+            <a:pPr lvl="1"/>
+            <a:r>
+              <a:rPr lang="en-ZA" dirty="0"/>
+              <a:t>To impress Michael, tony and everyone</a:t>
+            </a:r>
           </a:p>
         </p:txBody>
       </p:sp>
     </p:spTree>
     <p:extLst>
       <p:ext uri="{BB962C8B-B14F-4D97-AF65-F5344CB8AC3E}">
-        <p14:creationId xmlns:p14="http://schemas.microsoft.com/office/powerpoint/2010/main" val="925015916"/>
+        <p14:creationId xmlns:p14="http://schemas.microsoft.com/office/powerpoint/2010/main" val="2692352937"/>
       </p:ext>
     </p:extLst>
   </p:cSld>
@@ -6585,7 +6562,7 @@
           <a:p>
             <a:r>
               <a:rPr lang="en-ZA" dirty="0"/>
-              <a:t>Review &amp; finalize</a:t>
+              <a:t>PRIORITIZATION</a:t>
             </a:r>
           </a:p>
         </p:txBody>
@@ -6600,15 +6577,89 @@
             <p:ph sz="quarter" idx="13"/>
           </p:nvPr>
         </p:nvSpPr>
-        <p:spPr/>
-        <p:txBody>
-          <a:bodyPr/>
-          <a:lstStyle/>
-          <a:p>
-            <a:r>
-              <a:rPr lang="en-ZA" dirty="0"/>
-              <a:t>Presentation preparations</a:t>
-            </a:r>
+        <p:spPr>
+          <a:xfrm>
+            <a:off x="913774" y="2367092"/>
+            <a:ext cx="10363826" cy="4342801"/>
+          </a:xfrm>
+        </p:spPr>
+        <p:txBody>
+          <a:bodyPr/>
+          <a:lstStyle/>
+          <a:p>
+            <a:r>
+              <a:rPr lang="en-ZA" dirty="0"/>
+              <a:t>THINGS DONE</a:t>
+            </a:r>
+          </a:p>
+          <a:p>
+            <a:pPr lvl="1"/>
+            <a:r>
+              <a:rPr lang="en-ZA" dirty="0"/>
+              <a:t>FRONT END WEB APPLICATION</a:t>
+            </a:r>
+          </a:p>
+          <a:p>
+            <a:pPr lvl="2"/>
+            <a:r>
+              <a:rPr lang="en-ZA" dirty="0"/>
+              <a:t>GAME LOGIC</a:t>
+            </a:r>
+          </a:p>
+          <a:p>
+            <a:pPr lvl="2"/>
+            <a:r>
+              <a:rPr lang="en-ZA" dirty="0"/>
+              <a:t>SCORING</a:t>
+            </a:r>
+          </a:p>
+          <a:p>
+            <a:pPr marL="457200" lvl="1" indent="0">
+              <a:buNone/>
+            </a:pPr>
+            <a:endParaRPr lang="en-ZA" dirty="0"/>
+          </a:p>
+          <a:p>
+            <a:r>
+              <a:rPr lang="en-ZA" dirty="0"/>
+              <a:t>SHOULD HAVE DONE</a:t>
+            </a:r>
+          </a:p>
+          <a:p>
+            <a:pPr lvl="1"/>
+            <a:r>
+              <a:rPr lang="en-ZA" dirty="0"/>
+              <a:t>BACK END</a:t>
+            </a:r>
+          </a:p>
+          <a:p>
+            <a:pPr lvl="2"/>
+            <a:r>
+              <a:rPr lang="en-ZA" dirty="0"/>
+              <a:t>SCORE CONSOLIDATION</a:t>
+            </a:r>
+          </a:p>
+          <a:p>
+            <a:pPr lvl="2"/>
+            <a:r>
+              <a:rPr lang="en-ZA" dirty="0"/>
+              <a:t>DATABASE (USERS, SCORES)</a:t>
+            </a:r>
+          </a:p>
+          <a:p>
+            <a:pPr lvl="1"/>
+            <a:r>
+              <a:rPr lang="en-ZA" dirty="0"/>
+              <a:t>INTEGRATION</a:t>
+            </a:r>
+          </a:p>
+          <a:p>
+            <a:pPr lvl="1"/>
+            <a:endParaRPr lang="en-ZA" dirty="0"/>
+          </a:p>
+          <a:p>
+            <a:pPr lvl="1"/>
+            <a:endParaRPr lang="en-ZA" dirty="0"/>
           </a:p>
         </p:txBody>
       </p:sp>
@@ -6730,7 +6781,7 @@
         <p:spPr>
           <a:xfrm>
             <a:off x="913775" y="2331076"/>
-            <a:ext cx="6826428" cy="369332"/>
+            <a:ext cx="6826428" cy="1754326"/>
           </a:xfrm>
           <a:prstGeom prst="rect">
             <a:avLst/>
@@ -6749,7 +6800,54 @@
             </a:pPr>
             <a:r>
               <a:rPr lang="en-ZA" dirty="0"/>
-              <a:t>Aptitude Test</a:t>
+              <a:t>PRIMARY</a:t>
+            </a:r>
+          </a:p>
+          <a:p>
+            <a:pPr marL="742950" lvl="1" indent="-285750">
+              <a:buFont typeface="Arial" panose="020B0604020202020204" pitchFamily="34" charset="0"/>
+              <a:buChar char="•"/>
+            </a:pPr>
+            <a:r>
+              <a:rPr lang="en-ZA" dirty="0"/>
+              <a:t>CREATE AN APTITUDE TEST</a:t>
+            </a:r>
+          </a:p>
+          <a:p>
+            <a:pPr marL="742950" lvl="1" indent="-285750">
+              <a:buFont typeface="Arial" panose="020B0604020202020204" pitchFamily="34" charset="0"/>
+              <a:buChar char="•"/>
+            </a:pPr>
+            <a:endParaRPr lang="en-ZA" dirty="0"/>
+          </a:p>
+          <a:p>
+            <a:pPr marL="285750" indent="-285750">
+              <a:buFont typeface="Arial" panose="020B0604020202020204" pitchFamily="34" charset="0"/>
+              <a:buChar char="•"/>
+            </a:pPr>
+            <a:r>
+              <a:rPr lang="en-ZA" dirty="0"/>
+              <a:t>SECONDARY</a:t>
+            </a:r>
+          </a:p>
+          <a:p>
+            <a:pPr marL="742950" lvl="1" indent="-285750">
+              <a:buFont typeface="Arial" panose="020B0604020202020204" pitchFamily="34" charset="0"/>
+              <a:buChar char="•"/>
+            </a:pPr>
+            <a:r>
+              <a:rPr lang="en-ZA" dirty="0"/>
+              <a:t>HAVE FUN</a:t>
+            </a:r>
+          </a:p>
+          <a:p>
+            <a:pPr marL="742950" lvl="1" indent="-285750">
+              <a:buFont typeface="Arial" panose="020B0604020202020204" pitchFamily="34" charset="0"/>
+              <a:buChar char="•"/>
+            </a:pPr>
+            <a:r>
+              <a:rPr lang="en-ZA" dirty="0"/>
+              <a:t>LEARN SOMETHING NEW</a:t>
             </a:r>
           </a:p>
         </p:txBody>
@@ -6823,7 +6921,25 @@
           <a:p>
             <a:r>
               <a:rPr lang="en-ZA" dirty="0"/>
-              <a:t>Challenge one</a:t>
+              <a:t>SKILLS &amp; EXPERIENCE DIFFERENCES</a:t>
+            </a:r>
+          </a:p>
+          <a:p>
+            <a:r>
+              <a:rPr lang="en-ZA" dirty="0"/>
+              <a:t>CONCEPT FORMULATION</a:t>
+            </a:r>
+          </a:p>
+          <a:p>
+            <a:r>
+              <a:rPr lang="en-ZA" dirty="0"/>
+              <a:t>DECISION MAKING</a:t>
+            </a:r>
+          </a:p>
+          <a:p>
+            <a:r>
+              <a:rPr lang="en-ZA" dirty="0"/>
+              <a:t>TIME MANAGEMENT</a:t>
             </a:r>
           </a:p>
         </p:txBody>
@@ -6890,14 +7006,71 @@
             <p:ph sz="quarter" idx="13"/>
           </p:nvPr>
         </p:nvSpPr>
-        <p:spPr/>
-        <p:txBody>
-          <a:bodyPr/>
-          <a:lstStyle/>
-          <a:p>
-            <a:r>
-              <a:rPr lang="en-ZA" dirty="0"/>
-              <a:t>Lesson 1</a:t>
+        <p:spPr>
+          <a:xfrm>
+            <a:off x="913774" y="2367092"/>
+            <a:ext cx="10363826" cy="3801888"/>
+          </a:xfrm>
+        </p:spPr>
+        <p:txBody>
+          <a:bodyPr/>
+          <a:lstStyle/>
+          <a:p>
+            <a:r>
+              <a:rPr lang="en-ZA" dirty="0"/>
+              <a:t>TECHNICAL</a:t>
+            </a:r>
+          </a:p>
+          <a:p>
+            <a:pPr lvl="1"/>
+            <a:r>
+              <a:rPr lang="en-ZA" dirty="0"/>
+              <a:t>UML</a:t>
+            </a:r>
+          </a:p>
+          <a:p>
+            <a:pPr lvl="1"/>
+            <a:r>
+              <a:rPr lang="en-ZA" dirty="0"/>
+              <a:t>WEB TECHNOLOGIES (JAVASCRIPT, HTML, CSS)</a:t>
+            </a:r>
+          </a:p>
+          <a:p>
+            <a:pPr lvl="1"/>
+            <a:r>
+              <a:rPr lang="en-ZA" dirty="0"/>
+              <a:t>VERSION CONTROL</a:t>
+            </a:r>
+          </a:p>
+          <a:p>
+            <a:pPr lvl="1"/>
+            <a:endParaRPr lang="en-ZA" dirty="0"/>
+          </a:p>
+          <a:p>
+            <a:r>
+              <a:rPr lang="en-ZA" dirty="0"/>
+              <a:t>SOFT</a:t>
+            </a:r>
+          </a:p>
+          <a:p>
+            <a:pPr lvl="1"/>
+            <a:r>
+              <a:rPr lang="en-ZA" dirty="0"/>
+              <a:t>DEVELOPMENT LIFE CYCLE</a:t>
+            </a:r>
+          </a:p>
+          <a:p>
+            <a:pPr lvl="1"/>
+            <a:r>
+              <a:rPr lang="en-ZA" dirty="0"/>
+              <a:t>COMMUNICATION</a:t>
+            </a:r>
+          </a:p>
+          <a:p>
+            <a:pPr lvl="1"/>
+            <a:r>
+              <a:rPr lang="en-ZA" dirty="0"/>
+              <a:t>TEAM WORK</a:t>
             </a:r>
           </a:p>
         </p:txBody>
@@ -6964,10 +7137,15 @@
             <p:ph sz="quarter" idx="13"/>
           </p:nvPr>
         </p:nvSpPr>
-        <p:spPr/>
+        <p:spPr>
+          <a:xfrm>
+            <a:off x="669701" y="1880315"/>
+            <a:ext cx="10607899" cy="4301543"/>
+          </a:xfrm>
+        </p:spPr>
         <p:txBody>
           <a:bodyPr>
-            <a:normAutofit fontScale="85000" lnSpcReduction="20000"/>
+            <a:normAutofit fontScale="92500" lnSpcReduction="20000"/>
           </a:bodyPr>
           <a:lstStyle/>
           <a:p>
@@ -6979,46 +7157,58 @@
           <a:p>
             <a:r>
               <a:rPr lang="en-ZA" dirty="0"/>
+              <a:t>Determine APTITUDE test basis</a:t>
+            </a:r>
+          </a:p>
+          <a:p>
+            <a:r>
+              <a:rPr lang="en-ZA" dirty="0"/>
+              <a:t>Establishing APTITUDE TEST format</a:t>
+            </a:r>
+          </a:p>
+          <a:p>
+            <a:r>
+              <a:rPr lang="en-ZA" dirty="0"/>
+              <a:t>Creating APTITUDE TEST questions</a:t>
+            </a:r>
+          </a:p>
+          <a:p>
+            <a:r>
+              <a:rPr lang="en-ZA" dirty="0"/>
+              <a:t>SOLUTION DESIGN (UML)</a:t>
+            </a:r>
+          </a:p>
+          <a:p>
+            <a:r>
+              <a:rPr lang="en-ZA" dirty="0"/>
               <a:t>Platform selection</a:t>
             </a:r>
           </a:p>
           <a:p>
             <a:r>
               <a:rPr lang="en-ZA" dirty="0"/>
-              <a:t>Determine test basis</a:t>
-            </a:r>
-          </a:p>
-          <a:p>
-            <a:r>
-              <a:rPr lang="en-ZA" dirty="0"/>
-              <a:t>Establishing format</a:t>
-            </a:r>
-          </a:p>
-          <a:p>
-            <a:r>
-              <a:rPr lang="en-ZA" dirty="0"/>
-              <a:t>Creating questions</a:t>
-            </a:r>
-          </a:p>
-          <a:p>
-            <a:r>
-              <a:rPr lang="en-ZA" dirty="0"/>
               <a:t>Development</a:t>
             </a:r>
           </a:p>
           <a:p>
             <a:pPr lvl="1"/>
             <a:r>
-              <a:rPr lang="en-ZA" dirty="0" err="1"/>
-              <a:t>Planing</a:t>
-            </a:r>
-            <a:endParaRPr lang="en-ZA" dirty="0"/>
+              <a:rPr lang="en-ZA" dirty="0"/>
+              <a:t>Planning</a:t>
+            </a:r>
           </a:p>
           <a:p>
             <a:pPr lvl="1"/>
             <a:r>
               <a:rPr lang="en-ZA" dirty="0"/>
               <a:t>Coding</a:t>
+            </a:r>
+          </a:p>
+          <a:p>
+            <a:pPr lvl="1"/>
+            <a:r>
+              <a:rPr lang="en-ZA" dirty="0"/>
+              <a:t>TESTING</a:t>
             </a:r>
           </a:p>
           <a:p>
@@ -7032,7 +7222,7 @@
     </p:spTree>
     <p:extLst>
       <p:ext uri="{BB962C8B-B14F-4D97-AF65-F5344CB8AC3E}">
-        <p14:creationId xmlns:p14="http://schemas.microsoft.com/office/powerpoint/2010/main" val="4276396720"/>
+        <p14:creationId xmlns:p14="http://schemas.microsoft.com/office/powerpoint/2010/main" val="3625371382"/>
       </p:ext>
     </p:extLst>
   </p:cSld>
@@ -7076,7 +7266,7 @@
           <a:p>
             <a:r>
               <a:rPr lang="en-ZA" dirty="0"/>
-              <a:t>Platform selection</a:t>
+              <a:t>DETERMINE APTITUDE TEST Basis</a:t>
             </a:r>
           </a:p>
         </p:txBody>
@@ -7093,48 +7283,75 @@
         </p:nvSpPr>
         <p:spPr/>
         <p:txBody>
-          <a:bodyPr/>
-          <a:lstStyle/>
-          <a:p>
-            <a:r>
-              <a:rPr lang="en-ZA" dirty="0"/>
-              <a:t>Platform chosen</a:t>
+          <a:bodyPr>
+            <a:normAutofit fontScale="92500" lnSpcReduction="20000"/>
+          </a:bodyPr>
+          <a:lstStyle/>
+          <a:p>
+            <a:r>
+              <a:rPr lang="en-ZA" dirty="0"/>
+              <a:t>Programmer personality traits</a:t>
             </a:r>
           </a:p>
           <a:p>
             <a:pPr lvl="1"/>
             <a:r>
               <a:rPr lang="en-ZA" dirty="0"/>
-              <a:t>HTML, CSS, </a:t>
-            </a:r>
-            <a:r>
-              <a:rPr lang="en-ZA" dirty="0" err="1"/>
-              <a:t>Javascript</a:t>
-            </a:r>
+              <a:t>Patience</a:t>
+            </a:r>
+          </a:p>
+          <a:p>
+            <a:pPr lvl="1"/>
+            <a:r>
+              <a:rPr lang="en-ZA" dirty="0"/>
+              <a:t>Courage</a:t>
+            </a:r>
+          </a:p>
+          <a:p>
+            <a:pPr lvl="1"/>
+            <a:r>
+              <a:rPr lang="en-ZA" dirty="0"/>
+              <a:t>Creativity</a:t>
+            </a:r>
+          </a:p>
+          <a:p>
+            <a:pPr lvl="1"/>
+            <a:r>
+              <a:rPr lang="en-ZA" dirty="0"/>
+              <a:t>Logic</a:t>
+            </a:r>
+          </a:p>
+          <a:p>
+            <a:pPr marL="457200" lvl="1" indent="0">
+              <a:buNone/>
+            </a:pPr>
             <a:endParaRPr lang="en-ZA" dirty="0"/>
           </a:p>
           <a:p>
+            <a:r>
+              <a:rPr lang="en-ZA" dirty="0"/>
+              <a:t>Types of programmers</a:t>
+            </a:r>
+          </a:p>
+          <a:p>
             <a:pPr lvl="1"/>
-            <a:endParaRPr lang="en-ZA" dirty="0"/>
-          </a:p>
-          <a:p>
-            <a:r>
-              <a:rPr lang="en-ZA" dirty="0"/>
-              <a:t>Reasons for selection</a:t>
+            <a:r>
+              <a:rPr lang="en-ZA" dirty="0"/>
+              <a:t>Technologist (crazy pizza guy)</a:t>
             </a:r>
           </a:p>
           <a:p>
             <a:pPr lvl="1"/>
             <a:r>
               <a:rPr lang="en-ZA" dirty="0"/>
-              <a:t>To learn something new</a:t>
+              <a:t>Problem solver (logical thinker)</a:t>
             </a:r>
           </a:p>
           <a:p>
             <a:pPr lvl="1"/>
             <a:r>
               <a:rPr lang="en-ZA" dirty="0"/>
-              <a:t>To impress Michael, tony and everyone</a:t>
+              <a:t>Technical guy</a:t>
             </a:r>
           </a:p>
         </p:txBody>
@@ -7142,7 +7359,7 @@
     </p:spTree>
     <p:extLst>
       <p:ext uri="{BB962C8B-B14F-4D97-AF65-F5344CB8AC3E}">
-        <p14:creationId xmlns:p14="http://schemas.microsoft.com/office/powerpoint/2010/main" val="3143142008"/>
+        <p14:creationId xmlns:p14="http://schemas.microsoft.com/office/powerpoint/2010/main" val="352380912"/>
       </p:ext>
     </p:extLst>
   </p:cSld>
@@ -7186,7 +7403,7 @@
           <a:p>
             <a:r>
               <a:rPr lang="en-ZA" dirty="0"/>
-              <a:t>Test Basis</a:t>
+              <a:t>DETERMINE APTITUDE Test Basis (CONT.)</a:t>
             </a:r>
           </a:p>
         </p:txBody>
@@ -7201,44 +7418,77 @@
             <p:ph sz="quarter" idx="13"/>
           </p:nvPr>
         </p:nvSpPr>
-        <p:spPr/>
+        <p:spPr>
+          <a:xfrm>
+            <a:off x="913774" y="1906074"/>
+            <a:ext cx="10363826" cy="4816698"/>
+          </a:xfrm>
+        </p:spPr>
         <p:txBody>
           <a:bodyPr>
-            <a:normAutofit fontScale="92500" lnSpcReduction="20000"/>
+            <a:normAutofit fontScale="92500" lnSpcReduction="10000"/>
           </a:bodyPr>
           <a:lstStyle/>
           <a:p>
             <a:r>
               <a:rPr lang="en-ZA" dirty="0"/>
-              <a:t>Programmer personality traits</a:t>
+              <a:t>Primary programming concepts</a:t>
             </a:r>
           </a:p>
           <a:p>
             <a:pPr lvl="1"/>
             <a:r>
               <a:rPr lang="en-ZA" dirty="0"/>
-              <a:t>Patience</a:t>
+              <a:t>Variables (symbolic name)</a:t>
             </a:r>
           </a:p>
           <a:p>
             <a:pPr lvl="1"/>
             <a:r>
               <a:rPr lang="en-ZA" dirty="0"/>
-              <a:t>Courage</a:t>
+              <a:t>Control structures</a:t>
+            </a:r>
+          </a:p>
+          <a:p>
+            <a:pPr lvl="2"/>
+            <a:r>
+              <a:rPr lang="en-ZA" dirty="0"/>
+              <a:t>Selection</a:t>
+            </a:r>
+          </a:p>
+          <a:p>
+            <a:pPr lvl="2"/>
+            <a:r>
+              <a:rPr lang="en-ZA" dirty="0"/>
+              <a:t>Iteration (loops &amp; recursion)</a:t>
+            </a:r>
+          </a:p>
+          <a:p>
+            <a:pPr lvl="2"/>
+            <a:r>
+              <a:rPr lang="en-ZA" dirty="0"/>
+              <a:t>sequence</a:t>
             </a:r>
           </a:p>
           <a:p>
             <a:pPr lvl="1"/>
             <a:r>
               <a:rPr lang="en-ZA" dirty="0"/>
-              <a:t>Creativity</a:t>
+              <a:t>Data structures</a:t>
             </a:r>
           </a:p>
           <a:p>
             <a:pPr lvl="1"/>
             <a:r>
               <a:rPr lang="en-ZA" dirty="0"/>
-              <a:t>Logic</a:t>
+              <a:t>Syntax (out of scope)</a:t>
+            </a:r>
+          </a:p>
+          <a:p>
+            <a:pPr lvl="1"/>
+            <a:r>
+              <a:rPr lang="en-ZA" dirty="0"/>
+              <a:t>Tools (out of scope)</a:t>
             </a:r>
           </a:p>
           <a:p>
@@ -7250,28 +7500,31 @@
           <a:p>
             <a:r>
               <a:rPr lang="en-ZA" dirty="0"/>
-              <a:t>Types of programmers</a:t>
+              <a:t>Bbd ultimate hire criteria</a:t>
             </a:r>
           </a:p>
           <a:p>
             <a:pPr lvl="1"/>
             <a:r>
               <a:rPr lang="en-ZA" dirty="0"/>
-              <a:t>Technologist (crazy pizza guy)</a:t>
+              <a:t>Skills </a:t>
+            </a:r>
+            <a:r>
+              <a:rPr lang="en-ZA" dirty="0">
+                <a:sym typeface="Wingdings" panose="05000000000000000000" pitchFamily="2" charset="2"/>
+              </a:rPr>
+              <a:t></a:t>
+            </a:r>
+            <a:r>
+              <a:rPr lang="en-ZA" dirty="0"/>
+              <a:t> Aptitude</a:t>
             </a:r>
           </a:p>
           <a:p>
             <a:pPr lvl="1"/>
             <a:r>
               <a:rPr lang="en-ZA" dirty="0"/>
-              <a:t>Problem solver (logical thinker)</a:t>
-            </a:r>
-          </a:p>
-          <a:p>
-            <a:pPr lvl="1"/>
-            <a:r>
-              <a:rPr lang="en-ZA" dirty="0"/>
-              <a:t>Technical guy (problem solver)</a:t>
+              <a:t>Attitude (soft skills)</a:t>
             </a:r>
           </a:p>
         </p:txBody>
@@ -7279,7 +7532,7 @@
     </p:spTree>
     <p:extLst>
       <p:ext uri="{BB962C8B-B14F-4D97-AF65-F5344CB8AC3E}">
-        <p14:creationId xmlns:p14="http://schemas.microsoft.com/office/powerpoint/2010/main" val="352380912"/>
+        <p14:creationId xmlns:p14="http://schemas.microsoft.com/office/powerpoint/2010/main" val="3205972429"/>
       </p:ext>
     </p:extLst>
   </p:cSld>
@@ -7323,7 +7576,7 @@
           <a:p>
             <a:r>
               <a:rPr lang="en-ZA" dirty="0"/>
-              <a:t>Test Basis</a:t>
+              <a:t>Establishing APTITUDE TEST format</a:t>
             </a:r>
           </a:p>
         </p:txBody>
@@ -7338,106 +7591,116 @@
             <p:ph sz="quarter" idx="13"/>
           </p:nvPr>
         </p:nvSpPr>
-        <p:spPr/>
+        <p:spPr>
+          <a:xfrm>
+            <a:off x="913775" y="1851936"/>
+            <a:ext cx="10363826" cy="4870835"/>
+          </a:xfrm>
+        </p:spPr>
         <p:txBody>
           <a:bodyPr>
-            <a:normAutofit fontScale="62500" lnSpcReduction="20000"/>
+            <a:normAutofit fontScale="92500" lnSpcReduction="20000"/>
           </a:bodyPr>
           <a:lstStyle/>
           <a:p>
             <a:r>
               <a:rPr lang="en-ZA" dirty="0"/>
-              <a:t>Primary programming concepts</a:t>
+              <a:t>Types of CANDIDATES</a:t>
             </a:r>
           </a:p>
           <a:p>
             <a:pPr lvl="1"/>
             <a:r>
-              <a:rPr lang="en-ZA" dirty="0"/>
-              <a:t>Variables (symbolic name)</a:t>
+              <a:rPr lang="en-ZA" b="1" dirty="0"/>
+              <a:t>Visual (seeing and visualizing)</a:t>
             </a:r>
           </a:p>
           <a:p>
             <a:pPr lvl="1"/>
             <a:r>
               <a:rPr lang="en-ZA" dirty="0"/>
-              <a:t>Control structures</a:t>
-            </a:r>
-          </a:p>
-          <a:p>
-            <a:pPr lvl="2"/>
-            <a:r>
-              <a:rPr lang="en-ZA" dirty="0"/>
-              <a:t>Selection</a:t>
-            </a:r>
-          </a:p>
-          <a:p>
-            <a:pPr lvl="2"/>
-            <a:r>
-              <a:rPr lang="en-ZA" dirty="0"/>
-              <a:t>Iteration (loops &amp; recursion)</a:t>
-            </a:r>
-          </a:p>
-          <a:p>
-            <a:pPr lvl="2"/>
-            <a:r>
-              <a:rPr lang="en-ZA" dirty="0"/>
-              <a:t>sequence</a:t>
+              <a:t>Auditory (listening and verbalizing)</a:t>
             </a:r>
           </a:p>
           <a:p>
             <a:pPr lvl="1"/>
             <a:r>
-              <a:rPr lang="en-ZA" dirty="0"/>
-              <a:t>Data structures</a:t>
+              <a:rPr lang="en-ZA" b="1" dirty="0"/>
+              <a:t>Read-write (reading and writing)</a:t>
             </a:r>
           </a:p>
           <a:p>
             <a:pPr lvl="1"/>
             <a:r>
-              <a:rPr lang="en-ZA" dirty="0"/>
-              <a:t>Syntax</a:t>
+              <a:rPr lang="en-ZA" b="1" dirty="0"/>
+              <a:t>Kinaesthetic (hands-on, trial &amp; error)</a:t>
             </a:r>
           </a:p>
           <a:p>
             <a:pPr lvl="1"/>
-            <a:r>
-              <a:rPr lang="en-ZA" dirty="0"/>
-              <a:t>Tools (out of scope)</a:t>
-            </a:r>
-          </a:p>
-          <a:p>
-            <a:pPr marL="457200" lvl="1" indent="0">
-              <a:buNone/>
-            </a:pPr>
             <a:endParaRPr lang="en-ZA" dirty="0"/>
           </a:p>
           <a:p>
             <a:r>
               <a:rPr lang="en-ZA" dirty="0"/>
-              <a:t>Bbd ultimate hire criteria</a:t>
+              <a:t>Question types &amp; formats</a:t>
             </a:r>
           </a:p>
           <a:p>
             <a:pPr lvl="1"/>
             <a:r>
               <a:rPr lang="en-ZA" dirty="0"/>
-              <a:t>Skills (Aptitude)</a:t>
+              <a:t>Puzzles &amp; visual presentation</a:t>
             </a:r>
           </a:p>
           <a:p>
             <a:pPr lvl="1"/>
             <a:r>
               <a:rPr lang="en-ZA" dirty="0"/>
-              <a:t>Attitude (soft skills)</a:t>
-            </a:r>
+              <a:t>Embedded answers</a:t>
+            </a:r>
+          </a:p>
+          <a:p>
+            <a:pPr lvl="1"/>
+            <a:r>
+              <a:rPr lang="en-ZA" dirty="0"/>
+              <a:t>Matching</a:t>
+            </a:r>
+          </a:p>
+          <a:p>
+            <a:pPr lvl="1"/>
+            <a:endParaRPr lang="en-ZA" dirty="0"/>
+          </a:p>
+          <a:p>
+            <a:r>
+              <a:rPr lang="en-ZA" dirty="0"/>
+              <a:t>Objective &amp; considerations</a:t>
+            </a:r>
+          </a:p>
+          <a:p>
+            <a:pPr lvl="1"/>
+            <a:r>
+              <a:rPr lang="en-ZA" dirty="0"/>
+              <a:t>Minimize confusion</a:t>
+            </a:r>
+          </a:p>
+          <a:p>
+            <a:pPr lvl="1"/>
+            <a:r>
+              <a:rPr lang="en-ZA" dirty="0"/>
+              <a:t>Minimize user input errors</a:t>
+            </a:r>
+          </a:p>
+          <a:p>
+            <a:pPr lvl="1"/>
+            <a:endParaRPr lang="en-ZA" dirty="0"/>
           </a:p>
         </p:txBody>
       </p:sp>
     </p:spTree>
     <p:extLst>
       <p:ext uri="{BB962C8B-B14F-4D97-AF65-F5344CB8AC3E}">
-        <p14:creationId xmlns:p14="http://schemas.microsoft.com/office/powerpoint/2010/main" val="3205972429"/>
+        <p14:creationId xmlns:p14="http://schemas.microsoft.com/office/powerpoint/2010/main" val="4057201833"/>
       </p:ext>
     </p:extLst>
   </p:cSld>
@@ -7481,7 +7744,7 @@
           <a:p>
             <a:r>
               <a:rPr lang="en-ZA" dirty="0"/>
-              <a:t>Test format</a:t>
+              <a:t>ESTABLISHING APTITUDE TEST questions</a:t>
             </a:r>
           </a:p>
         </p:txBody>
@@ -7496,116 +7759,50 @@
             <p:ph sz="quarter" idx="13"/>
           </p:nvPr>
         </p:nvSpPr>
-        <p:spPr>
-          <a:xfrm>
-            <a:off x="913775" y="1851937"/>
-            <a:ext cx="10363826" cy="4214012"/>
-          </a:xfrm>
-        </p:spPr>
-        <p:txBody>
-          <a:bodyPr>
-            <a:normAutofit fontScale="77500" lnSpcReduction="20000"/>
-          </a:bodyPr>
-          <a:lstStyle/>
-          <a:p>
-            <a:r>
-              <a:rPr lang="en-ZA" dirty="0"/>
-              <a:t>Types of learners</a:t>
+        <p:spPr/>
+        <p:txBody>
+          <a:bodyPr/>
+          <a:lstStyle/>
+          <a:p>
+            <a:r>
+              <a:rPr lang="en-ZA" dirty="0"/>
+              <a:t>Considerations</a:t>
             </a:r>
           </a:p>
           <a:p>
             <a:pPr lvl="1"/>
             <a:r>
               <a:rPr lang="en-ZA" dirty="0"/>
-              <a:t>Visual (seeing and visualizing)</a:t>
+              <a:t>What?</a:t>
             </a:r>
           </a:p>
           <a:p>
             <a:pPr lvl="1"/>
             <a:r>
               <a:rPr lang="en-ZA" dirty="0"/>
-              <a:t>Auditory (listening and verbalizing)</a:t>
+              <a:t>How?</a:t>
             </a:r>
           </a:p>
           <a:p>
             <a:pPr lvl="1"/>
             <a:r>
               <a:rPr lang="en-ZA" dirty="0"/>
-              <a:t>Read-write (reading and writing)</a:t>
+              <a:t>types of CANDIDATES</a:t>
             </a:r>
           </a:p>
           <a:p>
             <a:pPr lvl="1"/>
             <a:r>
               <a:rPr lang="en-ZA" dirty="0"/>
-              <a:t>Kinaesthetic (hands-on, trial &amp; error)</a:t>
-            </a:r>
-          </a:p>
-          <a:p>
-            <a:pPr lvl="1"/>
-            <a:endParaRPr lang="en-ZA" dirty="0"/>
-          </a:p>
-          <a:p>
-            <a:r>
-              <a:rPr lang="en-ZA" dirty="0"/>
-              <a:t>Question types &amp; formats</a:t>
-            </a:r>
-          </a:p>
-          <a:p>
-            <a:pPr lvl="1"/>
-            <a:r>
-              <a:rPr lang="en-ZA" dirty="0"/>
-              <a:t>Puzzles &amp; visual presentation</a:t>
-            </a:r>
-          </a:p>
-          <a:p>
-            <a:pPr lvl="1"/>
-            <a:r>
-              <a:rPr lang="en-ZA" dirty="0"/>
-              <a:t>Embedded answers</a:t>
-            </a:r>
-          </a:p>
-          <a:p>
-            <a:pPr lvl="1"/>
-            <a:r>
-              <a:rPr lang="en-ZA" dirty="0"/>
-              <a:t>Matching</a:t>
-            </a:r>
-          </a:p>
-          <a:p>
-            <a:pPr lvl="1"/>
-            <a:endParaRPr lang="en-ZA" dirty="0"/>
-          </a:p>
-          <a:p>
-            <a:r>
-              <a:rPr lang="en-ZA" dirty="0"/>
-              <a:t>Objective &amp; considerations</a:t>
-            </a:r>
-          </a:p>
-          <a:p>
-            <a:pPr lvl="1"/>
-            <a:r>
-              <a:rPr lang="en-ZA" dirty="0"/>
-              <a:t>Minimize confusion</a:t>
-            </a:r>
-          </a:p>
-          <a:p>
-            <a:pPr lvl="1"/>
-            <a:r>
-              <a:rPr lang="en-ZA" dirty="0"/>
-              <a:t>Minimize user input errors</a:t>
-            </a:r>
-          </a:p>
-          <a:p>
-            <a:pPr lvl="1"/>
-            <a:endParaRPr lang="en-ZA" dirty="0"/>
+              <a:t>Question formats</a:t>
+            </a:r>
           </a:p>
         </p:txBody>
       </p:sp>
     </p:spTree>
     <p:extLst>
       <p:ext uri="{BB962C8B-B14F-4D97-AF65-F5344CB8AC3E}">
-        <p14:creationId xmlns:p14="http://schemas.microsoft.com/office/powerpoint/2010/main" val="4057201833"/>
+        <p14:creationId xmlns:p14="http://schemas.microsoft.com/office/powerpoint/2010/main" val="2975482959"/>
       </p:ext>
     </p:extLst>
   </p:cSld>
